--- a/Presentation.pptx
+++ b/Presentation.pptx
@@ -4249,7 +4249,7 @@
           <a:p>
             <a:fld id="{DD243237-D316-4E1C-B54D-CFE21547AB93}" type="datetimeFigureOut">
               <a:rPr lang="en-US" smtClean="0"/>
-              <a:t>4/29/2021</a:t>
+              <a:t>7/7/2021</a:t>
             </a:fld>
             <a:endParaRPr lang="en-US"/>
           </a:p>
@@ -4770,7 +4770,7 @@
           <a:p>
             <a:fld id="{0DAF61AA-5A98-4049-A93E-477E5505141A}" type="datetimeFigureOut">
               <a:rPr lang="en-US" smtClean="0"/>
-              <a:t>4/29/2021</a:t>
+              <a:t>7/7/2021</a:t>
             </a:fld>
             <a:endParaRPr lang="en-US" dirty="0"/>
           </a:p>
@@ -5038,7 +5038,7 @@
             <a:fld id="{0DAF61AA-5A98-4049-A93E-477E5505141A}" type="datetimeFigureOut">
               <a:rPr lang="en-US" smtClean="0"/>
               <a:pPr/>
-              <a:t>4/29/2021</a:t>
+              <a:t>7/7/2021</a:t>
             </a:fld>
             <a:endParaRPr lang="en-US" dirty="0"/>
           </a:p>
@@ -5271,7 +5271,7 @@
             <a:fld id="{0DAF61AA-5A98-4049-A93E-477E5505141A}" type="datetimeFigureOut">
               <a:rPr lang="en-US" smtClean="0"/>
               <a:pPr/>
-              <a:t>4/29/2021</a:t>
+              <a:t>7/7/2021</a:t>
             </a:fld>
             <a:endParaRPr lang="en-US" dirty="0"/>
           </a:p>
@@ -5583,7 +5583,7 @@
             <a:fld id="{0DAF61AA-5A98-4049-A93E-477E5505141A}" type="datetimeFigureOut">
               <a:rPr lang="en-US" smtClean="0"/>
               <a:pPr/>
-              <a:t>4/29/2021</a:t>
+              <a:t>7/7/2021</a:t>
             </a:fld>
             <a:endParaRPr lang="en-US" dirty="0"/>
           </a:p>
@@ -6058,7 +6058,7 @@
             <a:fld id="{0DAF61AA-5A98-4049-A93E-477E5505141A}" type="datetimeFigureOut">
               <a:rPr lang="en-US" smtClean="0"/>
               <a:pPr/>
-              <a:t>4/29/2021</a:t>
+              <a:t>7/7/2021</a:t>
             </a:fld>
             <a:endParaRPr lang="en-US" dirty="0"/>
           </a:p>
@@ -6607,7 +6607,7 @@
             <a:fld id="{0DAF61AA-5A98-4049-A93E-477E5505141A}" type="datetimeFigureOut">
               <a:rPr lang="en-US" smtClean="0"/>
               <a:pPr/>
-              <a:t>4/29/2021</a:t>
+              <a:t>7/7/2021</a:t>
             </a:fld>
             <a:endParaRPr lang="en-US" dirty="0"/>
           </a:p>
@@ -7383,7 +7383,7 @@
             <a:fld id="{0DAF61AA-5A98-4049-A93E-477E5505141A}" type="datetimeFigureOut">
               <a:rPr lang="en-US" smtClean="0"/>
               <a:pPr/>
-              <a:t>4/29/2021</a:t>
+              <a:t>7/7/2021</a:t>
             </a:fld>
             <a:endParaRPr lang="en-US" dirty="0"/>
           </a:p>
@@ -7559,7 +7559,7 @@
           <a:p>
             <a:fld id="{0DAF61AA-5A98-4049-A93E-477E5505141A}" type="datetimeFigureOut">
               <a:rPr lang="en-US" smtClean="0"/>
-              <a:t>4/29/2021</a:t>
+              <a:t>7/7/2021</a:t>
             </a:fld>
             <a:endParaRPr lang="en-US"/>
           </a:p>
@@ -7782,7 +7782,7 @@
           <a:p>
             <a:fld id="{0DAF61AA-5A98-4049-A93E-477E5505141A}" type="datetimeFigureOut">
               <a:rPr lang="en-US" smtClean="0"/>
-              <a:t>4/29/2021</a:t>
+              <a:t>7/7/2021</a:t>
             </a:fld>
             <a:endParaRPr lang="en-US"/>
           </a:p>
@@ -7962,7 +7962,7 @@
           <a:p>
             <a:fld id="{0DAF61AA-5A98-4049-A93E-477E5505141A}" type="datetimeFigureOut">
               <a:rPr lang="en-US" smtClean="0"/>
-              <a:t>4/29/2021</a:t>
+              <a:t>7/7/2021</a:t>
             </a:fld>
             <a:endParaRPr lang="en-US"/>
           </a:p>
@@ -8251,7 +8251,7 @@
           <a:p>
             <a:fld id="{0DAF61AA-5A98-4049-A93E-477E5505141A}" type="datetimeFigureOut">
               <a:rPr lang="en-US" smtClean="0"/>
-              <a:t>4/29/2021</a:t>
+              <a:t>7/7/2021</a:t>
             </a:fld>
             <a:endParaRPr lang="en-US"/>
           </a:p>
@@ -8493,7 +8493,7 @@
           <a:p>
             <a:fld id="{0DAF61AA-5A98-4049-A93E-477E5505141A}" type="datetimeFigureOut">
               <a:rPr lang="en-US" smtClean="0"/>
-              <a:t>4/29/2021</a:t>
+              <a:t>7/7/2021</a:t>
             </a:fld>
             <a:endParaRPr lang="en-US"/>
           </a:p>
@@ -8872,7 +8872,7 @@
           <a:p>
             <a:fld id="{0DAF61AA-5A98-4049-A93E-477E5505141A}" type="datetimeFigureOut">
               <a:rPr lang="en-US" smtClean="0"/>
-              <a:t>4/29/2021</a:t>
+              <a:t>7/7/2021</a:t>
             </a:fld>
             <a:endParaRPr lang="en-US"/>
           </a:p>
@@ -8990,7 +8990,7 @@
           <a:p>
             <a:fld id="{0DAF61AA-5A98-4049-A93E-477E5505141A}" type="datetimeFigureOut">
               <a:rPr lang="en-US" smtClean="0"/>
-              <a:t>4/29/2021</a:t>
+              <a:t>7/7/2021</a:t>
             </a:fld>
             <a:endParaRPr lang="en-US"/>
           </a:p>
@@ -9085,7 +9085,7 @@
           <a:p>
             <a:fld id="{0DAF61AA-5A98-4049-A93E-477E5505141A}" type="datetimeFigureOut">
               <a:rPr lang="en-US" smtClean="0"/>
-              <a:t>4/29/2021</a:t>
+              <a:t>7/7/2021</a:t>
             </a:fld>
             <a:endParaRPr lang="en-US"/>
           </a:p>
@@ -9334,7 +9334,7 @@
           <a:p>
             <a:fld id="{0DAF61AA-5A98-4049-A93E-477E5505141A}" type="datetimeFigureOut">
               <a:rPr lang="en-US" smtClean="0"/>
-              <a:t>4/29/2021</a:t>
+              <a:t>7/7/2021</a:t>
             </a:fld>
             <a:endParaRPr lang="en-US"/>
           </a:p>
@@ -9591,7 +9591,7 @@
           <a:p>
             <a:fld id="{0DAF61AA-5A98-4049-A93E-477E5505141A}" type="datetimeFigureOut">
               <a:rPr lang="en-US" smtClean="0"/>
-              <a:t>4/29/2021</a:t>
+              <a:t>7/7/2021</a:t>
             </a:fld>
             <a:endParaRPr lang="en-US"/>
           </a:p>
@@ -9835,7 +9835,7 @@
             <a:fld id="{0DAF61AA-5A98-4049-A93E-477E5505141A}" type="datetimeFigureOut">
               <a:rPr lang="en-US" smtClean="0"/>
               <a:pPr/>
-              <a:t>4/29/2021</a:t>
+              <a:t>7/7/2021</a:t>
             </a:fld>
             <a:endParaRPr lang="en-US" dirty="0"/>
           </a:p>
@@ -10270,7 +10270,7 @@
           <a:p>
             <a:r>
               <a:rPr lang="en-US" dirty="0"/>
-              <a:t>Project 3</a:t>
+              <a:t>Tesla Deaths</a:t>
             </a:r>
           </a:p>
         </p:txBody>
